--- a/WiPr - Poster.pptx
+++ b/WiPr - Poster.pptx
@@ -104,6 +104,11 @@
       </a:defRPr>
     </a:lvl9pPr>
   </p:defaultTextStyle>
+  <p:extLst>
+    <p:ext uri="{EFAFB233-063F-42B5-8137-9DF3F51BA10A}">
+      <p15:sldGuideLst xmlns:p15="http://schemas.microsoft.com/office/powerpoint/2012/main"/>
+    </p:ext>
+  </p:extLst>
 </p:presentation>
 </file>
 
@@ -111,6 +116,7 @@
 <p1510:revInfo xmlns:a="http://schemas.openxmlformats.org/drawingml/2006/main" xmlns:r="http://schemas.openxmlformats.org/officeDocument/2006/relationships" xmlns:p1510="http://schemas.microsoft.com/office/powerpoint/2015/10/main">
   <p1510:revLst>
     <p1510:client id="{2FF71784-BE52-4FD9-8B9C-C54822B00405}" v="42" dt="2020-11-22T12:27:59.761"/>
+    <p1510:client id="{8ED41DB6-FD95-45E8-B4C4-17EAB484C1DB}" v="12" dt="2020-11-22T17:43:25.919"/>
   </p1510:revLst>
 </p1510:revInfo>
 </file>
@@ -600,6 +606,277 @@
         <pc:sldMkLst>
           <pc:docMk/>
           <pc:sldMk cId="3531362043" sldId="257"/>
+        </pc:sldMkLst>
+      </pc:sldChg>
+    </pc:docChg>
+  </pc:docChgLst>
+  <pc:docChgLst>
+    <pc:chgData name="Jonas" userId="cf3dc6f00c0efa3d" providerId="LiveId" clId="{8ED41DB6-FD95-45E8-B4C4-17EAB484C1DB}"/>
+    <pc:docChg chg="undo custSel addSld delSld modSld">
+      <pc:chgData name="Jonas" userId="cf3dc6f00c0efa3d" providerId="LiveId" clId="{8ED41DB6-FD95-45E8-B4C4-17EAB484C1DB}" dt="2020-11-22T17:46:06.463" v="200" actId="1036"/>
+      <pc:docMkLst>
+        <pc:docMk/>
+      </pc:docMkLst>
+      <pc:sldChg chg="addSp delSp modSp mod">
+        <pc:chgData name="Jonas" userId="cf3dc6f00c0efa3d" providerId="LiveId" clId="{8ED41DB6-FD95-45E8-B4C4-17EAB484C1DB}" dt="2020-11-22T17:46:06.463" v="200" actId="1036"/>
+        <pc:sldMkLst>
+          <pc:docMk/>
+          <pc:sldMk cId="996167687" sldId="256"/>
+        </pc:sldMkLst>
+        <pc:spChg chg="add mod">
+          <ac:chgData name="Jonas" userId="cf3dc6f00c0efa3d" providerId="LiveId" clId="{8ED41DB6-FD95-45E8-B4C4-17EAB484C1DB}" dt="2020-11-22T17:42:01.312" v="124" actId="1076"/>
+          <ac:spMkLst>
+            <pc:docMk/>
+            <pc:sldMk cId="996167687" sldId="256"/>
+            <ac:spMk id="2" creationId="{C5549969-8D42-4D0C-A895-416B3344D2B6}"/>
+          </ac:spMkLst>
+        </pc:spChg>
+        <pc:spChg chg="add mod">
+          <ac:chgData name="Jonas" userId="cf3dc6f00c0efa3d" providerId="LiveId" clId="{8ED41DB6-FD95-45E8-B4C4-17EAB484C1DB}" dt="2020-11-22T17:41:57.910" v="123" actId="1076"/>
+          <ac:spMkLst>
+            <pc:docMk/>
+            <pc:sldMk cId="996167687" sldId="256"/>
+            <ac:spMk id="3" creationId="{BCFA73C4-BE58-47D8-804F-E3EE52D87F3E}"/>
+          </ac:spMkLst>
+        </pc:spChg>
+        <pc:spChg chg="mod">
+          <ac:chgData name="Jonas" userId="cf3dc6f00c0efa3d" providerId="LiveId" clId="{8ED41DB6-FD95-45E8-B4C4-17EAB484C1DB}" dt="2020-11-22T17:45:28.791" v="184" actId="1036"/>
+          <ac:spMkLst>
+            <pc:docMk/>
+            <pc:sldMk cId="996167687" sldId="256"/>
+            <ac:spMk id="4" creationId="{44C5005F-F33C-48BB-802C-1B4A9C2A21BE}"/>
+          </ac:spMkLst>
+        </pc:spChg>
+        <pc:spChg chg="mod">
+          <ac:chgData name="Jonas" userId="cf3dc6f00c0efa3d" providerId="LiveId" clId="{8ED41DB6-FD95-45E8-B4C4-17EAB484C1DB}" dt="2020-11-22T17:42:53.567" v="131" actId="208"/>
+          <ac:spMkLst>
+            <pc:docMk/>
+            <pc:sldMk cId="996167687" sldId="256"/>
+            <ac:spMk id="5" creationId="{6C770D3A-378D-40D5-8FC8-B93E3CC73480}"/>
+          </ac:spMkLst>
+        </pc:spChg>
+        <pc:spChg chg="mod">
+          <ac:chgData name="Jonas" userId="cf3dc6f00c0efa3d" providerId="LiveId" clId="{8ED41DB6-FD95-45E8-B4C4-17EAB484C1DB}" dt="2020-11-22T17:42:55.674" v="132" actId="208"/>
+          <ac:spMkLst>
+            <pc:docMk/>
+            <pc:sldMk cId="996167687" sldId="256"/>
+            <ac:spMk id="6" creationId="{72A4F93D-8F1F-45B8-AFD3-E6426E3D8983}"/>
+          </ac:spMkLst>
+        </pc:spChg>
+        <pc:spChg chg="mod">
+          <ac:chgData name="Jonas" userId="cf3dc6f00c0efa3d" providerId="LiveId" clId="{8ED41DB6-FD95-45E8-B4C4-17EAB484C1DB}" dt="2020-11-22T17:45:02.603" v="157" actId="20577"/>
+          <ac:spMkLst>
+            <pc:docMk/>
+            <pc:sldMk cId="996167687" sldId="256"/>
+            <ac:spMk id="7" creationId="{D587BC5D-BE4F-4F3B-A7BA-98CFB6BD7ED0}"/>
+          </ac:spMkLst>
+        </pc:spChg>
+        <pc:spChg chg="mod">
+          <ac:chgData name="Jonas" userId="cf3dc6f00c0efa3d" providerId="LiveId" clId="{8ED41DB6-FD95-45E8-B4C4-17EAB484C1DB}" dt="2020-11-22T17:45:45.838" v="185" actId="15"/>
+          <ac:spMkLst>
+            <pc:docMk/>
+            <pc:sldMk cId="996167687" sldId="256"/>
+            <ac:spMk id="9" creationId="{A5981471-CFC5-490F-88FE-2CEF2DE10A79}"/>
+          </ac:spMkLst>
+        </pc:spChg>
+        <pc:spChg chg="mod">
+          <ac:chgData name="Jonas" userId="cf3dc6f00c0efa3d" providerId="LiveId" clId="{8ED41DB6-FD95-45E8-B4C4-17EAB484C1DB}" dt="2020-11-22T17:42:34.104" v="130" actId="113"/>
+          <ac:spMkLst>
+            <pc:docMk/>
+            <pc:sldMk cId="996167687" sldId="256"/>
+            <ac:spMk id="10" creationId="{8D6116A0-40DC-4A0F-B1D7-63CE0019E771}"/>
+          </ac:spMkLst>
+        </pc:spChg>
+        <pc:spChg chg="mod">
+          <ac:chgData name="Jonas" userId="cf3dc6f00c0efa3d" providerId="LiveId" clId="{8ED41DB6-FD95-45E8-B4C4-17EAB484C1DB}" dt="2020-11-22T17:44:32.375" v="146" actId="15"/>
+          <ac:spMkLst>
+            <pc:docMk/>
+            <pc:sldMk cId="996167687" sldId="256"/>
+            <ac:spMk id="11" creationId="{217FBACE-0BD1-41C3-85E5-E65BDD6B4FB3}"/>
+          </ac:spMkLst>
+        </pc:spChg>
+        <pc:spChg chg="mod">
+          <ac:chgData name="Jonas" userId="cf3dc6f00c0efa3d" providerId="LiveId" clId="{8ED41DB6-FD95-45E8-B4C4-17EAB484C1DB}" dt="2020-11-22T17:42:34.104" v="130" actId="113"/>
+          <ac:spMkLst>
+            <pc:docMk/>
+            <pc:sldMk cId="996167687" sldId="256"/>
+            <ac:spMk id="15" creationId="{A1EF6C2F-2570-418C-9F4D-A541FB055C89}"/>
+          </ac:spMkLst>
+        </pc:spChg>
+        <pc:spChg chg="mod">
+          <ac:chgData name="Jonas" userId="cf3dc6f00c0efa3d" providerId="LiveId" clId="{8ED41DB6-FD95-45E8-B4C4-17EAB484C1DB}" dt="2020-11-22T17:45:13.443" v="160" actId="14"/>
+          <ac:spMkLst>
+            <pc:docMk/>
+            <pc:sldMk cId="996167687" sldId="256"/>
+            <ac:spMk id="23" creationId="{F414C992-10B8-4B1D-AC31-3FD920B99280}"/>
+          </ac:spMkLst>
+        </pc:spChg>
+        <pc:spChg chg="mod">
+          <ac:chgData name="Jonas" userId="cf3dc6f00c0efa3d" providerId="LiveId" clId="{8ED41DB6-FD95-45E8-B4C4-17EAB484C1DB}" dt="2020-11-22T17:38:11.542" v="3" actId="207"/>
+          <ac:spMkLst>
+            <pc:docMk/>
+            <pc:sldMk cId="996167687" sldId="256"/>
+            <ac:spMk id="25" creationId="{D6E759AD-A2D1-48BA-ADB7-6E597F5CDA83}"/>
+          </ac:spMkLst>
+        </pc:spChg>
+        <pc:spChg chg="del">
+          <ac:chgData name="Jonas" userId="cf3dc6f00c0efa3d" providerId="LiveId" clId="{8ED41DB6-FD95-45E8-B4C4-17EAB484C1DB}" dt="2020-11-22T17:42:04.120" v="125" actId="478"/>
+          <ac:spMkLst>
+            <pc:docMk/>
+            <pc:sldMk cId="996167687" sldId="256"/>
+            <ac:spMk id="32" creationId="{E4D9A72B-B626-E24A-8CB3-DA5BB343E05E}"/>
+          </ac:spMkLst>
+        </pc:spChg>
+        <pc:spChg chg="mod">
+          <ac:chgData name="Jonas" userId="cf3dc6f00c0efa3d" providerId="LiveId" clId="{8ED41DB6-FD95-45E8-B4C4-17EAB484C1DB}" dt="2020-11-22T17:38:11.542" v="3" actId="207"/>
+          <ac:spMkLst>
+            <pc:docMk/>
+            <pc:sldMk cId="996167687" sldId="256"/>
+            <ac:spMk id="33" creationId="{36A48D36-E7C2-44B8-B97A-975292C742D4}"/>
+          </ac:spMkLst>
+        </pc:spChg>
+        <pc:spChg chg="mod">
+          <ac:chgData name="Jonas" userId="cf3dc6f00c0efa3d" providerId="LiveId" clId="{8ED41DB6-FD95-45E8-B4C4-17EAB484C1DB}" dt="2020-11-22T17:38:11.542" v="3" actId="207"/>
+          <ac:spMkLst>
+            <pc:docMk/>
+            <pc:sldMk cId="996167687" sldId="256"/>
+            <ac:spMk id="34" creationId="{D32B24F8-5F3C-44B0-A60C-FEF6F131DA2A}"/>
+          </ac:spMkLst>
+        </pc:spChg>
+        <pc:spChg chg="mod">
+          <ac:chgData name="Jonas" userId="cf3dc6f00c0efa3d" providerId="LiveId" clId="{8ED41DB6-FD95-45E8-B4C4-17EAB484C1DB}" dt="2020-11-22T17:38:11.542" v="3" actId="207"/>
+          <ac:spMkLst>
+            <pc:docMk/>
+            <pc:sldMk cId="996167687" sldId="256"/>
+            <ac:spMk id="41" creationId="{86515BEE-53E3-4025-9C14-6E9FAC9713F0}"/>
+          </ac:spMkLst>
+        </pc:spChg>
+        <pc:spChg chg="mod">
+          <ac:chgData name="Jonas" userId="cf3dc6f00c0efa3d" providerId="LiveId" clId="{8ED41DB6-FD95-45E8-B4C4-17EAB484C1DB}" dt="2020-11-22T17:38:11.542" v="3" actId="207"/>
+          <ac:spMkLst>
+            <pc:docMk/>
+            <pc:sldMk cId="996167687" sldId="256"/>
+            <ac:spMk id="42" creationId="{2E255570-3A97-40D3-AAD3-5C88A741334D}"/>
+          </ac:spMkLst>
+        </pc:spChg>
+        <pc:spChg chg="mod">
+          <ac:chgData name="Jonas" userId="cf3dc6f00c0efa3d" providerId="LiveId" clId="{8ED41DB6-FD95-45E8-B4C4-17EAB484C1DB}" dt="2020-11-22T17:38:11.542" v="3" actId="207"/>
+          <ac:spMkLst>
+            <pc:docMk/>
+            <pc:sldMk cId="996167687" sldId="256"/>
+            <ac:spMk id="43" creationId="{44ECB371-E932-4C31-BE5D-AF44C4DA5071}"/>
+          </ac:spMkLst>
+        </pc:spChg>
+        <pc:spChg chg="mod">
+          <ac:chgData name="Jonas" userId="cf3dc6f00c0efa3d" providerId="LiveId" clId="{8ED41DB6-FD95-45E8-B4C4-17EAB484C1DB}" dt="2020-11-22T17:42:34.104" v="130" actId="113"/>
+          <ac:spMkLst>
+            <pc:docMk/>
+            <pc:sldMk cId="996167687" sldId="256"/>
+            <ac:spMk id="44" creationId="{49EC8687-DD6E-4B2E-A320-6129A706CDE4}"/>
+          </ac:spMkLst>
+        </pc:spChg>
+        <pc:spChg chg="mod">
+          <ac:chgData name="Jonas" userId="cf3dc6f00c0efa3d" providerId="LiveId" clId="{8ED41DB6-FD95-45E8-B4C4-17EAB484C1DB}" dt="2020-11-22T17:38:11.542" v="3" actId="207"/>
+          <ac:spMkLst>
+            <pc:docMk/>
+            <pc:sldMk cId="996167687" sldId="256"/>
+            <ac:spMk id="47" creationId="{F142CB84-B30E-EF45-B92C-1B209D6CAF56}"/>
+          </ac:spMkLst>
+        </pc:spChg>
+        <pc:spChg chg="mod">
+          <ac:chgData name="Jonas" userId="cf3dc6f00c0efa3d" providerId="LiveId" clId="{8ED41DB6-FD95-45E8-B4C4-17EAB484C1DB}" dt="2020-11-22T17:42:34.104" v="130" actId="113"/>
+          <ac:spMkLst>
+            <pc:docMk/>
+            <pc:sldMk cId="996167687" sldId="256"/>
+            <ac:spMk id="48" creationId="{A3ADBF13-C62B-4754-B815-81AC2BD9933B}"/>
+          </ac:spMkLst>
+        </pc:spChg>
+        <pc:spChg chg="mod">
+          <ac:chgData name="Jonas" userId="cf3dc6f00c0efa3d" providerId="LiveId" clId="{8ED41DB6-FD95-45E8-B4C4-17EAB484C1DB}" dt="2020-11-22T17:38:11.542" v="3" actId="207"/>
+          <ac:spMkLst>
+            <pc:docMk/>
+            <pc:sldMk cId="996167687" sldId="256"/>
+            <ac:spMk id="61" creationId="{3304BBED-F5E6-4309-9AC8-FE702CC6A51A}"/>
+          </ac:spMkLst>
+        </pc:spChg>
+        <pc:spChg chg="mod">
+          <ac:chgData name="Jonas" userId="cf3dc6f00c0efa3d" providerId="LiveId" clId="{8ED41DB6-FD95-45E8-B4C4-17EAB484C1DB}" dt="2020-11-22T17:46:06.463" v="200" actId="1036"/>
+          <ac:spMkLst>
+            <pc:docMk/>
+            <pc:sldMk cId="996167687" sldId="256"/>
+            <ac:spMk id="62" creationId="{7F44D2AC-0D85-4083-9C65-3E1C7E6D9FF7}"/>
+          </ac:spMkLst>
+        </pc:spChg>
+        <pc:spChg chg="mod">
+          <ac:chgData name="Jonas" userId="cf3dc6f00c0efa3d" providerId="LiveId" clId="{8ED41DB6-FD95-45E8-B4C4-17EAB484C1DB}" dt="2020-11-22T17:46:06.463" v="200" actId="1036"/>
+          <ac:spMkLst>
+            <pc:docMk/>
+            <pc:sldMk cId="996167687" sldId="256"/>
+            <ac:spMk id="63" creationId="{6577C43A-6AF3-4F08-9CBC-A1DEA56679B2}"/>
+          </ac:spMkLst>
+        </pc:spChg>
+        <pc:spChg chg="mod">
+          <ac:chgData name="Jonas" userId="cf3dc6f00c0efa3d" providerId="LiveId" clId="{8ED41DB6-FD95-45E8-B4C4-17EAB484C1DB}" dt="2020-11-22T17:46:06.463" v="200" actId="1036"/>
+          <ac:spMkLst>
+            <pc:docMk/>
+            <pc:sldMk cId="996167687" sldId="256"/>
+            <ac:spMk id="64" creationId="{EC1C8E5D-F70F-4FEE-8A2E-28DF451B32CB}"/>
+          </ac:spMkLst>
+        </pc:spChg>
+        <pc:spChg chg="mod">
+          <ac:chgData name="Jonas" userId="cf3dc6f00c0efa3d" providerId="LiveId" clId="{8ED41DB6-FD95-45E8-B4C4-17EAB484C1DB}" dt="2020-11-22T17:38:11.542" v="3" actId="207"/>
+          <ac:spMkLst>
+            <pc:docMk/>
+            <pc:sldMk cId="996167687" sldId="256"/>
+            <ac:spMk id="65" creationId="{076673C7-F095-4E1F-AEEF-2B44E8E83AB6}"/>
+          </ac:spMkLst>
+        </pc:spChg>
+        <pc:spChg chg="mod">
+          <ac:chgData name="Jonas" userId="cf3dc6f00c0efa3d" providerId="LiveId" clId="{8ED41DB6-FD95-45E8-B4C4-17EAB484C1DB}" dt="2020-11-22T17:38:11.542" v="3" actId="207"/>
+          <ac:spMkLst>
+            <pc:docMk/>
+            <pc:sldMk cId="996167687" sldId="256"/>
+            <ac:spMk id="66" creationId="{A986051D-3CE6-4C04-A058-2A3FE66DCF1C}"/>
+          </ac:spMkLst>
+        </pc:spChg>
+        <pc:spChg chg="mod">
+          <ac:chgData name="Jonas" userId="cf3dc6f00c0efa3d" providerId="LiveId" clId="{8ED41DB6-FD95-45E8-B4C4-17EAB484C1DB}" dt="2020-11-22T17:42:11.179" v="126" actId="1076"/>
+          <ac:spMkLst>
+            <pc:docMk/>
+            <pc:sldMk cId="996167687" sldId="256"/>
+            <ac:spMk id="69" creationId="{710F45DD-F0DB-4D9E-ABCA-6076DE745487}"/>
+          </ac:spMkLst>
+        </pc:spChg>
+        <pc:picChg chg="mod">
+          <ac:chgData name="Jonas" userId="cf3dc6f00c0efa3d" providerId="LiveId" clId="{8ED41DB6-FD95-45E8-B4C4-17EAB484C1DB}" dt="2020-11-22T17:42:14.392" v="127" actId="1076"/>
+          <ac:picMkLst>
+            <pc:docMk/>
+            <pc:sldMk cId="996167687" sldId="256"/>
+            <ac:picMk id="22" creationId="{4E2B7140-4B76-4D18-BAA1-5C643312125B}"/>
+          </ac:picMkLst>
+        </pc:picChg>
+        <pc:cxnChg chg="add mod">
+          <ac:chgData name="Jonas" userId="cf3dc6f00c0efa3d" providerId="LiveId" clId="{8ED41DB6-FD95-45E8-B4C4-17EAB484C1DB}" dt="2020-11-22T17:43:36.295" v="142" actId="14100"/>
+          <ac:cxnSpMkLst>
+            <pc:docMk/>
+            <pc:sldMk cId="996167687" sldId="256"/>
+            <ac:cxnSpMk id="12" creationId="{A2CF2582-B646-4E86-A73F-1F078B4D71F1}"/>
+          </ac:cxnSpMkLst>
+        </pc:cxnChg>
+        <pc:cxnChg chg="add mod">
+          <ac:chgData name="Jonas" userId="cf3dc6f00c0efa3d" providerId="LiveId" clId="{8ED41DB6-FD95-45E8-B4C4-17EAB484C1DB}" dt="2020-11-22T17:43:31.153" v="140" actId="14100"/>
+          <ac:cxnSpMkLst>
+            <pc:docMk/>
+            <pc:sldMk cId="996167687" sldId="256"/>
+            <ac:cxnSpMk id="39" creationId="{BAF94CEB-A864-4480-8764-2EA0081DD6CD}"/>
+          </ac:cxnSpMkLst>
+        </pc:cxnChg>
+      </pc:sldChg>
+      <pc:sldChg chg="add del setBg">
+        <pc:chgData name="Jonas" userId="cf3dc6f00c0efa3d" providerId="LiveId" clId="{8ED41DB6-FD95-45E8-B4C4-17EAB484C1DB}" dt="2020-11-22T17:37:33.712" v="2" actId="47"/>
+        <pc:sldMkLst>
+          <pc:docMk/>
+          <pc:sldMk cId="3131245171" sldId="257"/>
         </pc:sldMkLst>
       </pc:sldChg>
     </pc:docChg>
@@ -3452,6 +3729,41 @@
 <file path=ppt/slides/slide1.xml><?xml version="1.0" encoding="utf-8"?>
 <p:sld xmlns:a="http://schemas.openxmlformats.org/drawingml/2006/main" xmlns:r="http://schemas.openxmlformats.org/officeDocument/2006/relationships" xmlns:p="http://schemas.openxmlformats.org/presentationml/2006/main">
   <p:cSld>
+    <p:bg>
+      <p:bgPr>
+        <a:gradFill flip="none" rotWithShape="1">
+          <a:gsLst>
+            <a:gs pos="0">
+              <a:schemeClr val="accent1">
+                <a:lumMod val="5000"/>
+                <a:lumOff val="95000"/>
+              </a:schemeClr>
+            </a:gs>
+            <a:gs pos="74000">
+              <a:schemeClr val="accent1">
+                <a:lumMod val="45000"/>
+                <a:lumOff val="55000"/>
+              </a:schemeClr>
+            </a:gs>
+            <a:gs pos="83000">
+              <a:schemeClr val="accent1">
+                <a:lumMod val="45000"/>
+                <a:lumOff val="55000"/>
+              </a:schemeClr>
+            </a:gs>
+            <a:gs pos="100000">
+              <a:schemeClr val="accent1">
+                <a:lumMod val="30000"/>
+                <a:lumOff val="70000"/>
+              </a:schemeClr>
+            </a:gs>
+          </a:gsLst>
+          <a:lin ang="5400000" scaled="1"/>
+          <a:tileRect/>
+        </a:gradFill>
+        <a:effectLst/>
+      </p:bgPr>
+    </p:bg>
     <p:spTree>
       <p:nvGrpSpPr>
         <p:cNvPr id="1" name=""/>
@@ -3480,7 +3792,7 @@
         </p:nvSpPr>
         <p:spPr>
           <a:xfrm>
-            <a:off x="15585577" y="1166813"/>
+            <a:off x="13957356" y="1127407"/>
             <a:ext cx="13470354" cy="1200329"/>
           </a:xfrm>
           <a:prstGeom prst="rect">
@@ -3532,7 +3844,7 @@
         </p:blipFill>
         <p:spPr>
           <a:xfrm>
-            <a:off x="40221567" y="26329990"/>
+            <a:off x="825028" y="27345929"/>
             <a:ext cx="2133603" cy="2133603"/>
           </a:xfrm>
           <a:prstGeom prst="rect">
@@ -3560,7 +3872,9 @@
           <a:prstGeom prst="rect">
             <a:avLst/>
           </a:prstGeom>
-          <a:noFill/>
+          <a:solidFill>
+            <a:schemeClr val="bg1"/>
+          </a:solidFill>
           <a:ln>
             <a:solidFill>
               <a:schemeClr val="tx1"/>
@@ -3585,7 +3899,7 @@
             </a:pPr>
             <a:r>
               <a:rPr lang="en-US" sz="2400" dirty="0"/>
-              <a:t>Remember one thing: this title will be read by thousands of people</a:t>
+              <a:t>Remember one thing: this title will be read by thousands of people [2]</a:t>
             </a:r>
           </a:p>
           <a:p>
@@ -3624,13 +3938,15 @@
         </p:nvSpPr>
         <p:spPr>
           <a:xfrm>
-            <a:off x="1711751" y="7587434"/>
+            <a:off x="1739033" y="7512120"/>
             <a:ext cx="12218323" cy="6001643"/>
           </a:xfrm>
           <a:prstGeom prst="rect">
             <a:avLst/>
           </a:prstGeom>
-          <a:noFill/>
+          <a:solidFill>
+            <a:schemeClr val="bg1"/>
+          </a:solidFill>
           <a:ln>
             <a:solidFill>
               <a:schemeClr val="tx1"/>
@@ -3645,7 +3961,7 @@
           <a:p>
             <a:r>
               <a:rPr lang="en-US" sz="2400" dirty="0"/>
-              <a:t>Abstract:</a:t>
+              <a:t>Abstract: [2]</a:t>
             </a:r>
           </a:p>
           <a:p>
@@ -3842,7 +4158,9 @@
           <a:prstGeom prst="rect">
             <a:avLst/>
           </a:prstGeom>
-          <a:noFill/>
+          <a:solidFill>
+            <a:schemeClr val="bg1"/>
+          </a:solidFill>
           <a:ln>
             <a:solidFill>
               <a:schemeClr val="tx1"/>
@@ -3857,7 +4175,7 @@
           <a:p>
             <a:r>
               <a:rPr lang="en-US" sz="2400" dirty="0"/>
-              <a:t>Introduction:</a:t>
+              <a:t>Introduction: [1] [2]</a:t>
             </a:r>
           </a:p>
           <a:p>
@@ -3989,7 +4307,9 @@
           <a:prstGeom prst="rect">
             <a:avLst/>
           </a:prstGeom>
-          <a:noFill/>
+          <a:solidFill>
+            <a:schemeClr val="bg1"/>
+          </a:solidFill>
           <a:ln>
             <a:solidFill>
               <a:schemeClr val="tx1"/>
@@ -4004,7 +4324,7 @@
           <a:p>
             <a:r>
               <a:rPr lang="en-US" sz="2400" dirty="0"/>
-              <a:t>Body:</a:t>
+              <a:t>Body: [2]</a:t>
             </a:r>
           </a:p>
           <a:p>
@@ -4129,7 +4449,9 @@
           <a:prstGeom prst="rect">
             <a:avLst/>
           </a:prstGeom>
-          <a:noFill/>
+          <a:solidFill>
+            <a:schemeClr val="bg1"/>
+          </a:solidFill>
           <a:ln>
             <a:solidFill>
               <a:schemeClr val="tx1"/>
@@ -4144,7 +4466,7 @@
           <a:p>
             <a:r>
               <a:rPr lang="en-US" sz="2400" dirty="0"/>
-              <a:t>Discussion:</a:t>
+              <a:t>Discussion: [2]</a:t>
             </a:r>
           </a:p>
           <a:p>
@@ -4209,7 +4531,9 @@
           <a:prstGeom prst="rect">
             <a:avLst/>
           </a:prstGeom>
-          <a:noFill/>
+          <a:solidFill>
+            <a:schemeClr val="bg1"/>
+          </a:solidFill>
           <a:ln>
             <a:solidFill>
               <a:schemeClr val="tx1"/>
@@ -4263,10 +4587,10 @@
         </p:nvGrpSpPr>
         <p:grpSpPr>
           <a:xfrm>
-            <a:off x="14602369" y="5679898"/>
-            <a:ext cx="11236823" cy="21067371"/>
-            <a:chOff x="15783469" y="5745920"/>
-            <a:chExt cx="11236823" cy="21067371"/>
+            <a:off x="14602369" y="6387827"/>
+            <a:ext cx="11236823" cy="20359442"/>
+            <a:chOff x="15783469" y="6453849"/>
+            <a:chExt cx="11236823" cy="20359442"/>
           </a:xfrm>
         </p:grpSpPr>
         <p:sp>
@@ -4283,8 +4607,8 @@
           </p:nvSpPr>
           <p:spPr>
             <a:xfrm>
-              <a:off x="18452499" y="5745920"/>
-              <a:ext cx="5978416" cy="1779575"/>
+              <a:off x="18452499" y="6453849"/>
+              <a:ext cx="5978416" cy="1107996"/>
             </a:xfrm>
             <a:prstGeom prst="rect">
               <a:avLst/>
@@ -4295,7 +4619,9 @@
               </a:schemeClr>
             </a:solidFill>
             <a:ln>
-              <a:noFill/>
+              <a:solidFill>
+                <a:schemeClr val="tx1"/>
+              </a:solidFill>
             </a:ln>
           </p:spPr>
           <p:style>
@@ -4320,7 +4646,11 @@
             <a:p>
               <a:pPr algn="ctr"/>
               <a:r>
-                <a:rPr lang="en-US" sz="4800" dirty="0"/>
+                <a:rPr lang="en-US" sz="4800" b="1" dirty="0">
+                  <a:solidFill>
+                    <a:schemeClr val="tx1"/>
+                  </a:solidFill>
+                </a:rPr>
                 <a:t>Title</a:t>
               </a:r>
             </a:p>
@@ -4453,7 +4783,9 @@
               </a:schemeClr>
             </a:solidFill>
             <a:ln>
-              <a:noFill/>
+              <a:solidFill>
+                <a:schemeClr val="tx1"/>
+              </a:solidFill>
             </a:ln>
           </p:spPr>
           <p:style>
@@ -4478,8 +4810,82 @@
             <a:p>
               <a:pPr algn="ctr"/>
               <a:r>
-                <a:rPr lang="en-US" sz="4800" dirty="0"/>
+                <a:rPr lang="en-US" sz="4800" b="1" dirty="0">
+                  <a:solidFill>
+                    <a:schemeClr val="tx1"/>
+                  </a:solidFill>
+                </a:rPr>
                 <a:t>Introduction</a:t>
+              </a:r>
+            </a:p>
+            <a:p>
+              <a:pPr marL="4114800" lvl="8" indent="-457200">
+                <a:buAutoNum type="arabicParenBoth"/>
+              </a:pPr>
+              <a:r>
+                <a:rPr lang="en-US" sz="2400" b="1" dirty="0">
+                  <a:solidFill>
+                    <a:schemeClr val="tx1"/>
+                  </a:solidFill>
+                </a:rPr>
+                <a:t>Topic</a:t>
+              </a:r>
+              <a:endParaRPr lang="en-US" sz="4800" b="1" dirty="0">
+                <a:solidFill>
+                  <a:schemeClr val="tx1"/>
+                </a:solidFill>
+              </a:endParaRPr>
+            </a:p>
+            <a:p>
+              <a:pPr marL="4114800" lvl="8" indent="-457200">
+                <a:buAutoNum type="arabicParenBoth"/>
+              </a:pPr>
+              <a:r>
+                <a:rPr lang="en-US" sz="2400" b="1" dirty="0">
+                  <a:solidFill>
+                    <a:schemeClr val="tx1"/>
+                  </a:solidFill>
+                </a:rPr>
+                <a:t>Literature</a:t>
+              </a:r>
+            </a:p>
+            <a:p>
+              <a:pPr marL="4114800" lvl="8" indent="-457200">
+                <a:buAutoNum type="arabicParenBoth"/>
+              </a:pPr>
+              <a:r>
+                <a:rPr lang="en-US" sz="2400" b="1" dirty="0">
+                  <a:solidFill>
+                    <a:schemeClr val="tx1"/>
+                  </a:solidFill>
+                </a:rPr>
+                <a:t>Research Question</a:t>
+              </a:r>
+            </a:p>
+            <a:p>
+              <a:pPr marL="4114800" lvl="8" indent="-457200">
+                <a:buAutoNum type="arabicParenBoth"/>
+              </a:pPr>
+              <a:r>
+                <a:rPr lang="en-US" sz="2400" b="1" dirty="0">
+                  <a:solidFill>
+                    <a:schemeClr val="tx1"/>
+                  </a:solidFill>
+                </a:rPr>
+                <a:t>Methods</a:t>
+              </a:r>
+            </a:p>
+            <a:p>
+              <a:pPr marL="4114800" lvl="8" indent="-457200">
+                <a:buAutoNum type="arabicParenBoth"/>
+              </a:pPr>
+              <a:r>
+                <a:rPr lang="en-US" sz="2400" b="1" dirty="0">
+                  <a:solidFill>
+                    <a:schemeClr val="tx1"/>
+                  </a:solidFill>
+                </a:rPr>
+                <a:t>Paper Structure</a:t>
               </a:r>
             </a:p>
           </p:txBody>
@@ -4510,7 +4916,9 @@
               </a:schemeClr>
             </a:solidFill>
             <a:ln>
-              <a:noFill/>
+              <a:solidFill>
+                <a:schemeClr val="tx1"/>
+              </a:solidFill>
             </a:ln>
           </p:spPr>
           <p:style>
@@ -4535,52 +4943,111 @@
             <a:p>
               <a:pPr algn="ctr"/>
               <a:r>
-                <a:rPr lang="en-US" sz="4800" dirty="0"/>
+                <a:rPr lang="en-US" sz="4800" b="1" dirty="0">
+                  <a:solidFill>
+                    <a:schemeClr val="tx1"/>
+                  </a:solidFill>
+                </a:rPr>
                 <a:t>Body</a:t>
               </a:r>
             </a:p>
             <a:p>
+              <a:pPr lvl="1"/>
               <a:br>
-                <a:rPr lang="en-US" sz="4800" dirty="0"/>
+                <a:rPr lang="en-US" sz="4800" b="1" dirty="0">
+                  <a:solidFill>
+                    <a:schemeClr val="tx1"/>
+                  </a:solidFill>
+                </a:rPr>
               </a:br>
               <a:r>
-                <a:rPr lang="en-US" sz="2400" b="1" dirty="0"/>
+                <a:rPr lang="en-US" sz="2400" b="1" dirty="0">
+                  <a:solidFill>
+                    <a:schemeClr val="tx1"/>
+                  </a:solidFill>
+                </a:rPr>
                 <a:t>(1) Related work</a:t>
               </a:r>
             </a:p>
             <a:p>
-              <a:endParaRPr lang="en-US" sz="2400" b="1" dirty="0"/>
+              <a:pPr lvl="1"/>
+              <a:endParaRPr lang="en-US" sz="2400" b="1" dirty="0">
+                <a:solidFill>
+                  <a:schemeClr val="tx1"/>
+                </a:solidFill>
+              </a:endParaRPr>
             </a:p>
             <a:p>
-              <a:endParaRPr lang="en-US" sz="2400" b="1" dirty="0"/>
+              <a:pPr lvl="1"/>
+              <a:endParaRPr lang="en-US" sz="2400" b="1" dirty="0">
+                <a:solidFill>
+                  <a:schemeClr val="tx1"/>
+                </a:solidFill>
+              </a:endParaRPr>
             </a:p>
             <a:p>
+              <a:pPr lvl="1"/>
               <a:br>
-                <a:rPr lang="en-US" sz="2400" b="1" dirty="0"/>
+                <a:rPr lang="en-US" sz="2400" b="1" dirty="0">
+                  <a:solidFill>
+                    <a:schemeClr val="tx1"/>
+                  </a:solidFill>
+                </a:rPr>
               </a:br>
               <a:br>
-                <a:rPr lang="en-US" sz="2400" b="1" dirty="0"/>
+                <a:rPr lang="en-US" sz="2400" b="1" dirty="0">
+                  <a:solidFill>
+                    <a:schemeClr val="tx1"/>
+                  </a:solidFill>
+                </a:rPr>
               </a:br>
               <a:r>
-                <a:rPr lang="en-US" sz="2400" b="1" dirty="0"/>
+                <a:rPr lang="en-US" sz="2400" b="1" dirty="0">
+                  <a:solidFill>
+                    <a:schemeClr val="tx1"/>
+                  </a:solidFill>
+                </a:rPr>
                 <a:t>(2) Methods</a:t>
               </a:r>
             </a:p>
             <a:p>
+              <a:pPr lvl="1"/>
               <a:br>
-                <a:rPr lang="en-US" sz="2400" b="1" dirty="0"/>
+                <a:rPr lang="en-US" sz="2400" b="1" dirty="0">
+                  <a:solidFill>
+                    <a:schemeClr val="tx1"/>
+                  </a:solidFill>
+                </a:rPr>
               </a:br>
-              <a:endParaRPr lang="en-US" sz="2400" b="1" dirty="0"/>
+              <a:endParaRPr lang="en-US" sz="2400" b="1" dirty="0">
+                <a:solidFill>
+                  <a:schemeClr val="tx1"/>
+                </a:solidFill>
+              </a:endParaRPr>
             </a:p>
             <a:p>
-              <a:endParaRPr lang="en-US" sz="2400" b="1" dirty="0"/>
+              <a:pPr lvl="1"/>
+              <a:endParaRPr lang="en-US" sz="2400" b="1" dirty="0">
+                <a:solidFill>
+                  <a:schemeClr val="tx1"/>
+                </a:solidFill>
+              </a:endParaRPr>
             </a:p>
             <a:p>
+              <a:pPr lvl="1"/>
               <a:br>
-                <a:rPr lang="en-US" sz="2400" b="1" dirty="0"/>
+                <a:rPr lang="en-US" sz="2400" b="1" dirty="0">
+                  <a:solidFill>
+                    <a:schemeClr val="tx1"/>
+                  </a:solidFill>
+                </a:rPr>
               </a:br>
               <a:r>
-                <a:rPr lang="en-US" sz="2400" b="1" dirty="0"/>
+                <a:rPr lang="en-US" sz="2400" b="1" dirty="0">
+                  <a:solidFill>
+                    <a:schemeClr val="tx1"/>
+                  </a:solidFill>
+                </a:rPr>
                 <a:t>(3) Results</a:t>
               </a:r>
             </a:p>
@@ -4612,7 +5079,9 @@
               </a:schemeClr>
             </a:solidFill>
             <a:ln>
-              <a:noFill/>
+              <a:solidFill>
+                <a:schemeClr val="tx1"/>
+              </a:solidFill>
             </a:ln>
           </p:spPr>
           <p:style>
@@ -4637,7 +5106,11 @@
             <a:p>
               <a:pPr algn="ctr"/>
               <a:r>
-                <a:rPr lang="en-US" sz="4800" dirty="0"/>
+                <a:rPr lang="en-US" sz="4800" b="1" dirty="0">
+                  <a:solidFill>
+                    <a:schemeClr val="tx1"/>
+                  </a:solidFill>
+                </a:rPr>
                 <a:t>References</a:t>
               </a:r>
             </a:p>
@@ -4690,7 +5163,9 @@
               </a:prstGeom>
               <a:grpFill/>
               <a:ln>
-                <a:noFill/>
+                <a:solidFill>
+                  <a:schemeClr val="tx1"/>
+                </a:solidFill>
               </a:ln>
             </p:spPr>
             <p:style>
@@ -4714,7 +5189,11 @@
               <a:lstStyle/>
               <a:p>
                 <a:pPr algn="ctr"/>
-                <a:endParaRPr lang="en-US" sz="4800" dirty="0"/>
+                <a:endParaRPr lang="en-US" sz="4800" b="1" dirty="0">
+                  <a:solidFill>
+                    <a:schemeClr val="tx1"/>
+                  </a:solidFill>
+                </a:endParaRPr>
               </a:p>
             </p:txBody>
           </p:sp>
@@ -4740,7 +5219,9 @@
               </a:prstGeom>
               <a:grpFill/>
               <a:ln>
-                <a:noFill/>
+                <a:solidFill>
+                  <a:schemeClr val="tx1"/>
+                </a:solidFill>
               </a:ln>
             </p:spPr>
             <p:style>
@@ -4764,7 +5245,11 @@
               <a:lstStyle/>
               <a:p>
                 <a:pPr algn="ctr"/>
-                <a:endParaRPr lang="en-US" sz="4800" dirty="0"/>
+                <a:endParaRPr lang="en-US" sz="4800" b="1" dirty="0">
+                  <a:solidFill>
+                    <a:schemeClr val="tx1"/>
+                  </a:solidFill>
+                </a:endParaRPr>
               </a:p>
             </p:txBody>
           </p:sp>
@@ -4815,15 +5300,79 @@
               <a:p>
                 <a:pPr algn="ctr"/>
                 <a:r>
-                  <a:rPr lang="en-US" sz="4800" dirty="0"/>
+                  <a:rPr lang="en-US" sz="4800" b="1" dirty="0">
+                    <a:solidFill>
+                      <a:schemeClr val="tx1"/>
+                    </a:solidFill>
+                  </a:rPr>
                   <a:t>Abstract</a:t>
                 </a:r>
                 <a:br>
-                  <a:rPr lang="en-US" sz="4800" dirty="0"/>
+                  <a:rPr lang="en-US" sz="4800" b="1" dirty="0">
+                    <a:solidFill>
+                      <a:schemeClr val="tx1"/>
+                    </a:solidFill>
+                  </a:rPr>
                 </a:br>
                 <a:r>
-                  <a:rPr lang="en-US" sz="4800" dirty="0"/>
+                  <a:rPr lang="en-US" sz="4800" b="1" dirty="0">
+                    <a:solidFill>
+                      <a:schemeClr val="tx1"/>
+                    </a:solidFill>
+                  </a:rPr>
                   <a:t>(Type A)</a:t>
+                </a:r>
+              </a:p>
+              <a:p>
+                <a:pPr marL="914400" lvl="1" indent="-457200">
+                  <a:buAutoNum type="arabicParenBoth"/>
+                </a:pPr>
+                <a:r>
+                  <a:rPr lang="en-US" sz="2400" b="1" dirty="0">
+                    <a:solidFill>
+                      <a:schemeClr val="tx1"/>
+                    </a:solidFill>
+                  </a:rPr>
+                  <a:t>Scope</a:t>
+                </a:r>
+              </a:p>
+              <a:p>
+                <a:pPr marL="914400" lvl="1" indent="-457200">
+                  <a:buAutoNum type="arabicParenBoth"/>
+                </a:pPr>
+                <a:r>
+                  <a:rPr lang="en-US" sz="2400" b="1" dirty="0">
+                    <a:solidFill>
+                      <a:schemeClr val="tx1"/>
+                    </a:solidFill>
+                  </a:rPr>
+                  <a:t>Methods</a:t>
+                </a:r>
+              </a:p>
+              <a:p>
+                <a:pPr marL="914400" lvl="1" indent="-457200">
+                  <a:buAutoNum type="arabicParenBoth"/>
+                </a:pPr>
+                <a:r>
+                  <a:rPr lang="en-US" sz="2400" b="1" dirty="0">
+                    <a:solidFill>
+                      <a:schemeClr val="tx1"/>
+                    </a:solidFill>
+                  </a:rPr>
+                  <a:t>Results</a:t>
+                </a:r>
+              </a:p>
+              <a:p>
+                <a:pPr marL="914400" lvl="1" indent="-457200">
+                  <a:buAutoNum type="arabicParenBoth"/>
+                </a:pPr>
+                <a:r>
+                  <a:rPr lang="en-US" sz="2400" b="1" dirty="0">
+                    <a:solidFill>
+                      <a:schemeClr val="tx1"/>
+                    </a:solidFill>
+                  </a:rPr>
+                  <a:t>Conclusion</a:t>
                 </a:r>
               </a:p>
             </p:txBody>
@@ -4843,7 +5392,7 @@
           </p:nvGrpSpPr>
           <p:grpSpPr>
             <a:xfrm>
-              <a:off x="15792383" y="22263036"/>
+              <a:off x="15792383" y="22263035"/>
               <a:ext cx="11157171" cy="2558890"/>
               <a:chOff x="14842622" y="21160850"/>
               <a:chExt cx="9182101" cy="2082392"/>
@@ -4976,7 +5525,9 @@
                 </a:schemeClr>
               </a:solidFill>
               <a:ln>
-                <a:noFill/>
+                <a:solidFill>
+                  <a:schemeClr val="tx1"/>
+                </a:solidFill>
               </a:ln>
             </p:spPr>
             <p:style>
@@ -5000,7 +5551,11 @@
               <a:lstStyle/>
               <a:p>
                 <a:pPr algn="ctr"/>
-                <a:endParaRPr lang="en-US" sz="4800" dirty="0"/>
+                <a:endParaRPr lang="en-US" sz="4800" b="1" dirty="0">
+                  <a:solidFill>
+                    <a:schemeClr val="tx1"/>
+                  </a:solidFill>
+                </a:endParaRPr>
               </a:p>
             </p:txBody>
           </p:sp>
@@ -5018,8 +5573,8 @@
             </p:nvSpPr>
             <p:spPr>
               <a:xfrm>
-                <a:off x="17997726" y="21744997"/>
-                <a:ext cx="2799164" cy="830997"/>
+                <a:off x="18197617" y="21301354"/>
+                <a:ext cx="2734828" cy="1878485"/>
               </a:xfrm>
               <a:prstGeom prst="rect">
                 <a:avLst/>
@@ -5033,12 +5588,44 @@
               <a:lstStyle/>
               <a:p>
                 <a:r>
-                  <a:rPr lang="en-US" sz="4800" dirty="0">
-                    <a:solidFill>
-                      <a:schemeClr val="bg1"/>
-                    </a:solidFill>
-                  </a:rPr>
+                  <a:rPr lang="en-US" sz="4800" b="1" dirty="0"/>
                   <a:t>Discussion</a:t>
+                </a:r>
+              </a:p>
+              <a:p>
+                <a:pPr marL="457200" indent="-457200">
+                  <a:buAutoNum type="arabicParenBoth"/>
+                </a:pPr>
+                <a:r>
+                  <a:rPr lang="en-US" sz="2400" b="1" dirty="0"/>
+                  <a:t>Interpretation</a:t>
+                </a:r>
+              </a:p>
+              <a:p>
+                <a:pPr marL="457200" indent="-457200">
+                  <a:buAutoNum type="arabicParenBoth"/>
+                </a:pPr>
+                <a:r>
+                  <a:rPr lang="en-US" sz="2400" b="1" dirty="0"/>
+                  <a:t>Support/Falsification</a:t>
+                </a:r>
+              </a:p>
+              <a:p>
+                <a:pPr marL="457200" indent="-457200">
+                  <a:buAutoNum type="arabicParenBoth"/>
+                </a:pPr>
+                <a:r>
+                  <a:rPr lang="en-US" sz="2400" b="1" dirty="0"/>
+                  <a:t>Delimitation</a:t>
+                </a:r>
+              </a:p>
+              <a:p>
+                <a:pPr marL="457200" indent="-457200">
+                  <a:buAutoNum type="arabicParenBoth"/>
+                </a:pPr>
+                <a:r>
+                  <a:rPr lang="en-US" sz="2400" b="1" dirty="0"/>
+                  <a:t>Future Work</a:t>
                 </a:r>
               </a:p>
             </p:txBody>
@@ -5070,7 +5657,9 @@
               </a:schemeClr>
             </a:solidFill>
             <a:ln>
-              <a:noFill/>
+              <a:solidFill>
+                <a:schemeClr val="tx1"/>
+              </a:solidFill>
             </a:ln>
           </p:spPr>
           <p:style>
@@ -5095,164 +5684,12 @@
             <a:p>
               <a:pPr algn="ctr"/>
               <a:r>
-                <a:rPr lang="en-US" sz="4800" dirty="0"/>
-                <a:t>Appendix</a:t>
-              </a:r>
-            </a:p>
-          </p:txBody>
-        </p:sp>
-        <p:sp>
-          <p:nvSpPr>
-            <p:cNvPr id="36" name="Textfeld 35">
-              <a:extLst>
-                <a:ext uri="{FF2B5EF4-FFF2-40B4-BE49-F238E27FC236}">
-                  <a16:creationId xmlns:a16="http://schemas.microsoft.com/office/drawing/2014/main" id="{F50F6B0A-6DD4-4912-952B-4A7150735057}"/>
-                </a:ext>
-              </a:extLst>
-            </p:cNvPr>
-            <p:cNvSpPr txBox="1"/>
-            <p:nvPr/>
-          </p:nvSpPr>
-          <p:spPr>
-            <a:xfrm>
-              <a:off x="17176756" y="7663242"/>
-              <a:ext cx="1359796" cy="461665"/>
-            </a:xfrm>
-            <a:prstGeom prst="rect">
-              <a:avLst/>
-            </a:prstGeom>
-            <a:noFill/>
-          </p:spPr>
-          <p:txBody>
-            <a:bodyPr wrap="none" rtlCol="0">
-              <a:spAutoFit/>
-            </a:bodyPr>
-            <a:lstStyle/>
-            <a:p>
-              <a:r>
-                <a:rPr lang="en-US" sz="2400" b="1" dirty="0">
+                <a:rPr lang="en-US" sz="4800" b="1" dirty="0">
                   <a:solidFill>
-                    <a:schemeClr val="bg1"/>
+                    <a:schemeClr val="tx1"/>
                   </a:solidFill>
                 </a:rPr>
-                <a:t>(1) Scope</a:t>
-              </a:r>
-            </a:p>
-          </p:txBody>
-        </p:sp>
-        <p:sp>
-          <p:nvSpPr>
-            <p:cNvPr id="37" name="Textfeld 36">
-              <a:extLst>
-                <a:ext uri="{FF2B5EF4-FFF2-40B4-BE49-F238E27FC236}">
-                  <a16:creationId xmlns:a16="http://schemas.microsoft.com/office/drawing/2014/main" id="{DCA31FD2-9A68-4331-BE10-539E73599279}"/>
-                </a:ext>
-              </a:extLst>
-            </p:cNvPr>
-            <p:cNvSpPr txBox="1"/>
-            <p:nvPr/>
-          </p:nvSpPr>
-          <p:spPr>
-            <a:xfrm>
-              <a:off x="19686423" y="8238449"/>
-              <a:ext cx="1750287" cy="461665"/>
-            </a:xfrm>
-            <a:prstGeom prst="rect">
-              <a:avLst/>
-            </a:prstGeom>
-            <a:noFill/>
-          </p:spPr>
-          <p:txBody>
-            <a:bodyPr wrap="none" rtlCol="0">
-              <a:spAutoFit/>
-            </a:bodyPr>
-            <a:lstStyle/>
-            <a:p>
-              <a:r>
-                <a:rPr lang="en-US" sz="2400" b="1" dirty="0">
-                  <a:solidFill>
-                    <a:schemeClr val="bg1"/>
-                  </a:solidFill>
-                </a:rPr>
-                <a:t>(2) Methods</a:t>
-              </a:r>
-            </a:p>
-          </p:txBody>
-        </p:sp>
-        <p:sp>
-          <p:nvSpPr>
-            <p:cNvPr id="38" name="Textfeld 37">
-              <a:extLst>
-                <a:ext uri="{FF2B5EF4-FFF2-40B4-BE49-F238E27FC236}">
-                  <a16:creationId xmlns:a16="http://schemas.microsoft.com/office/drawing/2014/main" id="{FA81DEBE-C255-4AE1-953C-9041551D3D2B}"/>
-                </a:ext>
-              </a:extLst>
-            </p:cNvPr>
-            <p:cNvSpPr txBox="1"/>
-            <p:nvPr/>
-          </p:nvSpPr>
-          <p:spPr>
-            <a:xfrm>
-              <a:off x="19626150" y="9955937"/>
-              <a:ext cx="1520288" cy="461665"/>
-            </a:xfrm>
-            <a:prstGeom prst="rect">
-              <a:avLst/>
-            </a:prstGeom>
-            <a:noFill/>
-          </p:spPr>
-          <p:txBody>
-            <a:bodyPr wrap="none" rtlCol="0">
-              <a:spAutoFit/>
-            </a:bodyPr>
-            <a:lstStyle/>
-            <a:p>
-              <a:r>
-                <a:rPr lang="en-US" sz="2400" b="1" dirty="0">
-                  <a:solidFill>
-                    <a:schemeClr val="bg1"/>
-                  </a:solidFill>
-                </a:rPr>
-                <a:t>(3) Results</a:t>
-              </a:r>
-            </a:p>
-          </p:txBody>
-        </p:sp>
-        <p:sp>
-          <p:nvSpPr>
-            <p:cNvPr id="39" name="Textfeld 38">
-              <a:extLst>
-                <a:ext uri="{FF2B5EF4-FFF2-40B4-BE49-F238E27FC236}">
-                  <a16:creationId xmlns:a16="http://schemas.microsoft.com/office/drawing/2014/main" id="{5D75C7EE-3186-463B-9187-07F65ABCB17D}"/>
-                </a:ext>
-              </a:extLst>
-            </p:cNvPr>
-            <p:cNvSpPr txBox="1"/>
-            <p:nvPr/>
-          </p:nvSpPr>
-          <p:spPr>
-            <a:xfrm>
-              <a:off x="17210149" y="10473193"/>
-              <a:ext cx="1992853" cy="461665"/>
-            </a:xfrm>
-            <a:prstGeom prst="rect">
-              <a:avLst/>
-            </a:prstGeom>
-            <a:noFill/>
-          </p:spPr>
-          <p:txBody>
-            <a:bodyPr wrap="none" rtlCol="0">
-              <a:spAutoFit/>
-            </a:bodyPr>
-            <a:lstStyle/>
-            <a:p>
-              <a:r>
-                <a:rPr lang="en-US" sz="2400" b="1" dirty="0">
-                  <a:solidFill>
-                    <a:schemeClr val="bg1"/>
-                  </a:solidFill>
-                </a:rPr>
-                <a:t>(4) Conclusion</a:t>
+                <a:t>Appendix</a:t>
               </a:r>
             </a:p>
           </p:txBody>
@@ -5271,8 +5708,8 @@
           </p:nvSpPr>
           <p:spPr>
             <a:xfrm>
-              <a:off x="16700637" y="11157220"/>
-              <a:ext cx="1260923" cy="461665"/>
+              <a:off x="22582981" y="11350755"/>
+              <a:ext cx="184731" cy="461665"/>
             </a:xfrm>
             <a:prstGeom prst="rect">
               <a:avLst/>
@@ -5285,330 +5722,11 @@
             </a:bodyPr>
             <a:lstStyle/>
             <a:p>
-              <a:r>
-                <a:rPr lang="en-US" sz="2400" b="1" dirty="0">
-                  <a:solidFill>
-                    <a:schemeClr val="bg1"/>
-                  </a:solidFill>
-                </a:rPr>
-                <a:t>(1) Topic</a:t>
-              </a:r>
-            </a:p>
-          </p:txBody>
-        </p:sp>
-        <p:sp>
-          <p:nvSpPr>
-            <p:cNvPr id="49" name="Textfeld 48">
-              <a:extLst>
-                <a:ext uri="{FF2B5EF4-FFF2-40B4-BE49-F238E27FC236}">
-                  <a16:creationId xmlns:a16="http://schemas.microsoft.com/office/drawing/2014/main" id="{16D33472-06B6-42EB-9E9A-805B72B40380}"/>
-                </a:ext>
-              </a:extLst>
-            </p:cNvPr>
-            <p:cNvSpPr txBox="1"/>
-            <p:nvPr/>
-          </p:nvSpPr>
-          <p:spPr>
-            <a:xfrm>
-              <a:off x="17210149" y="11581588"/>
-              <a:ext cx="1850956" cy="461665"/>
-            </a:xfrm>
-            <a:prstGeom prst="rect">
-              <a:avLst/>
-            </a:prstGeom>
-            <a:noFill/>
-          </p:spPr>
-          <p:txBody>
-            <a:bodyPr wrap="none" rtlCol="0">
-              <a:spAutoFit/>
-            </a:bodyPr>
-            <a:lstStyle/>
-            <a:p>
-              <a:r>
-                <a:rPr lang="en-US" sz="2400" b="1" dirty="0">
-                  <a:solidFill>
-                    <a:schemeClr val="bg1"/>
-                  </a:solidFill>
-                </a:rPr>
-                <a:t>(2) Literature</a:t>
-              </a:r>
-            </a:p>
-          </p:txBody>
-        </p:sp>
-        <p:sp>
-          <p:nvSpPr>
-            <p:cNvPr id="50" name="Textfeld 49">
-              <a:extLst>
-                <a:ext uri="{FF2B5EF4-FFF2-40B4-BE49-F238E27FC236}">
-                  <a16:creationId xmlns:a16="http://schemas.microsoft.com/office/drawing/2014/main" id="{FADF6BC6-D0EC-483D-8900-6FE05884FEF6}"/>
-                </a:ext>
-              </a:extLst>
-            </p:cNvPr>
-            <p:cNvSpPr txBox="1"/>
-            <p:nvPr/>
-          </p:nvSpPr>
-          <p:spPr>
-            <a:xfrm>
-              <a:off x="17716658" y="11991552"/>
-              <a:ext cx="2942344" cy="461665"/>
-            </a:xfrm>
-            <a:prstGeom prst="rect">
-              <a:avLst/>
-            </a:prstGeom>
-            <a:noFill/>
-          </p:spPr>
-          <p:txBody>
-            <a:bodyPr wrap="none" rtlCol="0">
-              <a:spAutoFit/>
-            </a:bodyPr>
-            <a:lstStyle/>
-            <a:p>
-              <a:r>
-                <a:rPr lang="en-US" sz="2400" b="1" dirty="0">
-                  <a:solidFill>
-                    <a:schemeClr val="bg1"/>
-                  </a:solidFill>
-                </a:rPr>
-                <a:t>(3) Research question</a:t>
-              </a:r>
-            </a:p>
-          </p:txBody>
-        </p:sp>
-        <p:sp>
-          <p:nvSpPr>
-            <p:cNvPr id="51" name="Textfeld 50">
-              <a:extLst>
-                <a:ext uri="{FF2B5EF4-FFF2-40B4-BE49-F238E27FC236}">
-                  <a16:creationId xmlns:a16="http://schemas.microsoft.com/office/drawing/2014/main" id="{8A552EA8-0CA5-4EC6-AC80-BB882D23AFA1}"/>
-                </a:ext>
-              </a:extLst>
-            </p:cNvPr>
-            <p:cNvSpPr txBox="1"/>
-            <p:nvPr/>
-          </p:nvSpPr>
-          <p:spPr>
-            <a:xfrm>
-              <a:off x="18862446" y="12918190"/>
-              <a:ext cx="1750287" cy="461665"/>
-            </a:xfrm>
-            <a:prstGeom prst="rect">
-              <a:avLst/>
-            </a:prstGeom>
-            <a:noFill/>
-          </p:spPr>
-          <p:txBody>
-            <a:bodyPr wrap="none" rtlCol="0">
-              <a:spAutoFit/>
-            </a:bodyPr>
-            <a:lstStyle/>
-            <a:p>
-              <a:r>
-                <a:rPr lang="en-US" sz="2400" b="1" dirty="0">
-                  <a:solidFill>
-                    <a:schemeClr val="bg1"/>
-                  </a:solidFill>
-                </a:rPr>
-                <a:t>(4) Methods</a:t>
-              </a:r>
-            </a:p>
-          </p:txBody>
-        </p:sp>
-        <p:sp>
-          <p:nvSpPr>
-            <p:cNvPr id="52" name="Textfeld 51">
-              <a:extLst>
-                <a:ext uri="{FF2B5EF4-FFF2-40B4-BE49-F238E27FC236}">
-                  <a16:creationId xmlns:a16="http://schemas.microsoft.com/office/drawing/2014/main" id="{E144B73E-52A8-49CF-A30A-946FD846368C}"/>
-                </a:ext>
-              </a:extLst>
-            </p:cNvPr>
-            <p:cNvSpPr txBox="1"/>
-            <p:nvPr/>
-          </p:nvSpPr>
-          <p:spPr>
-            <a:xfrm>
-              <a:off x="19385973" y="13365392"/>
-              <a:ext cx="2573012" cy="461665"/>
-            </a:xfrm>
-            <a:prstGeom prst="rect">
-              <a:avLst/>
-            </a:prstGeom>
-            <a:noFill/>
-          </p:spPr>
-          <p:txBody>
-            <a:bodyPr wrap="none" rtlCol="0">
-              <a:spAutoFit/>
-            </a:bodyPr>
-            <a:lstStyle/>
-            <a:p>
-              <a:r>
-                <a:rPr lang="en-US" sz="2400" b="1" dirty="0">
-                  <a:solidFill>
-                    <a:schemeClr val="bg1"/>
-                  </a:solidFill>
-                </a:rPr>
-                <a:t>(5) Paper structure</a:t>
-              </a:r>
+              <a:endParaRPr lang="en-US" sz="2400" b="1" dirty="0"/>
             </a:p>
           </p:txBody>
         </p:sp>
       </p:grpSp>
-      <p:sp>
-        <p:nvSpPr>
-          <p:cNvPr id="57" name="Textfeld 56">
-            <a:extLst>
-              <a:ext uri="{FF2B5EF4-FFF2-40B4-BE49-F238E27FC236}">
-                <a16:creationId xmlns:a16="http://schemas.microsoft.com/office/drawing/2014/main" id="{C94BF2F5-9443-44FB-98AD-85F3FFF8510C}"/>
-              </a:ext>
-            </a:extLst>
-          </p:cNvPr>
-          <p:cNvSpPr txBox="1"/>
-          <p:nvPr/>
-        </p:nvSpPr>
-        <p:spPr>
-          <a:xfrm>
-            <a:off x="18132126" y="22336535"/>
-            <a:ext cx="2404313" cy="461665"/>
-          </a:xfrm>
-          <a:prstGeom prst="rect">
-            <a:avLst/>
-          </a:prstGeom>
-          <a:noFill/>
-        </p:spPr>
-        <p:txBody>
-          <a:bodyPr wrap="none" rtlCol="0">
-            <a:spAutoFit/>
-          </a:bodyPr>
-          <a:lstStyle/>
-          <a:p>
-            <a:r>
-              <a:rPr lang="en-US" sz="2400" b="1" dirty="0">
-                <a:solidFill>
-                  <a:schemeClr val="bg1"/>
-                </a:solidFill>
-              </a:rPr>
-              <a:t>(1) Interpretation</a:t>
-            </a:r>
-          </a:p>
-        </p:txBody>
-      </p:sp>
-      <p:sp>
-        <p:nvSpPr>
-          <p:cNvPr id="58" name="Textfeld 57">
-            <a:extLst>
-              <a:ext uri="{FF2B5EF4-FFF2-40B4-BE49-F238E27FC236}">
-                <a16:creationId xmlns:a16="http://schemas.microsoft.com/office/drawing/2014/main" id="{7B371076-CB0C-4570-94D5-9A7C3E94E87A}"/>
-              </a:ext>
-            </a:extLst>
-          </p:cNvPr>
-          <p:cNvSpPr txBox="1"/>
-          <p:nvPr/>
-        </p:nvSpPr>
-        <p:spPr>
-          <a:xfrm>
-            <a:off x="16430963" y="23526019"/>
-            <a:ext cx="3307316" cy="461665"/>
-          </a:xfrm>
-          <a:prstGeom prst="rect">
-            <a:avLst/>
-          </a:prstGeom>
-          <a:noFill/>
-        </p:spPr>
-        <p:txBody>
-          <a:bodyPr wrap="none" rtlCol="0">
-            <a:spAutoFit/>
-          </a:bodyPr>
-          <a:lstStyle/>
-          <a:p>
-            <a:r>
-              <a:rPr lang="en-US" sz="2400" b="1" dirty="0">
-                <a:solidFill>
-                  <a:schemeClr val="bg1"/>
-                </a:solidFill>
-              </a:rPr>
-              <a:t>(2) Support/falsification</a:t>
-            </a:r>
-          </a:p>
-        </p:txBody>
-      </p:sp>
-      <p:sp>
-        <p:nvSpPr>
-          <p:cNvPr id="59" name="Textfeld 58">
-            <a:extLst>
-              <a:ext uri="{FF2B5EF4-FFF2-40B4-BE49-F238E27FC236}">
-                <a16:creationId xmlns:a16="http://schemas.microsoft.com/office/drawing/2014/main" id="{5DD4BBAC-6BB1-4F30-B40C-FAB53BA087F0}"/>
-              </a:ext>
-            </a:extLst>
-          </p:cNvPr>
-          <p:cNvSpPr txBox="1"/>
-          <p:nvPr/>
-        </p:nvSpPr>
-        <p:spPr>
-          <a:xfrm>
-            <a:off x="15944160" y="23910129"/>
-            <a:ext cx="2193742" cy="461665"/>
-          </a:xfrm>
-          <a:prstGeom prst="rect">
-            <a:avLst/>
-          </a:prstGeom>
-          <a:noFill/>
-        </p:spPr>
-        <p:txBody>
-          <a:bodyPr wrap="none" rtlCol="0">
-            <a:spAutoFit/>
-          </a:bodyPr>
-          <a:lstStyle/>
-          <a:p>
-            <a:r>
-              <a:rPr lang="en-US" sz="2400" b="1" dirty="0">
-                <a:solidFill>
-                  <a:schemeClr val="bg1"/>
-                </a:solidFill>
-              </a:rPr>
-              <a:t>(3) Delimitation</a:t>
-            </a:r>
-          </a:p>
-        </p:txBody>
-      </p:sp>
-      <p:sp>
-        <p:nvSpPr>
-          <p:cNvPr id="60" name="Textfeld 59">
-            <a:extLst>
-              <a:ext uri="{FF2B5EF4-FFF2-40B4-BE49-F238E27FC236}">
-                <a16:creationId xmlns:a16="http://schemas.microsoft.com/office/drawing/2014/main" id="{D625F665-C9F2-4B4E-B29C-B28D1EEA86E2}"/>
-              </a:ext>
-            </a:extLst>
-          </p:cNvPr>
-          <p:cNvSpPr txBox="1"/>
-          <p:nvPr/>
-        </p:nvSpPr>
-        <p:spPr>
-          <a:xfrm>
-            <a:off x="15456384" y="24255226"/>
-            <a:ext cx="2158348" cy="461665"/>
-          </a:xfrm>
-          <a:prstGeom prst="rect">
-            <a:avLst/>
-          </a:prstGeom>
-          <a:noFill/>
-        </p:spPr>
-        <p:txBody>
-          <a:bodyPr wrap="none" rtlCol="0">
-            <a:spAutoFit/>
-          </a:bodyPr>
-          <a:lstStyle/>
-          <a:p>
-            <a:r>
-              <a:rPr lang="en-US" sz="2400" b="1" dirty="0">
-                <a:solidFill>
-                  <a:schemeClr val="bg1"/>
-                </a:solidFill>
-              </a:rPr>
-              <a:t>(4) Future work</a:t>
-            </a:r>
-          </a:p>
-        </p:txBody>
-      </p:sp>
       <p:sp>
         <p:nvSpPr>
           <p:cNvPr id="61" name="Textfeld 60">
@@ -5629,7 +5747,9 @@
           <a:prstGeom prst="rect">
             <a:avLst/>
           </a:prstGeom>
-          <a:noFill/>
+          <a:solidFill>
+            <a:schemeClr val="bg1"/>
+          </a:solidFill>
           <a:ln>
             <a:solidFill>
               <a:schemeClr val="tx1"/>
@@ -5657,7 +5777,7 @@
           <a:p>
             <a:r>
               <a:rPr lang="en-US" dirty="0"/>
-              <a:t>“Classification of Electric modelling and Characterization methods of Lithium-ion Batteries for Vehicle Applications“</a:t>
+              <a:t>“Classification of Electric modelling and Characterization methods of Lithium-ion Batteries for Vehicle Applications“ [3]</a:t>
             </a:r>
             <a:br>
               <a:rPr lang="en-US" dirty="0"/>
@@ -5680,8 +5800,8 @@
         </p:nvSpPr>
         <p:spPr>
           <a:xfrm>
-            <a:off x="6164826" y="3856374"/>
-            <a:ext cx="2371740" cy="1015663"/>
+            <a:off x="6164826" y="4298829"/>
+            <a:ext cx="3539046" cy="1107996"/>
           </a:xfrm>
           <a:prstGeom prst="rect">
             <a:avLst/>
@@ -5695,9 +5815,14 @@
           <a:lstStyle/>
           <a:p>
             <a:r>
-              <a:rPr lang="en-US" sz="6000" dirty="0"/>
-              <a:t>Theory</a:t>
-            </a:r>
+              <a:rPr lang="en-US" sz="6600" dirty="0"/>
+              <a:t>Theory </a:t>
+            </a:r>
+            <a:r>
+              <a:rPr lang="en-US" sz="2000" dirty="0"/>
+              <a:t>[1] [2]</a:t>
+            </a:r>
+            <a:endParaRPr lang="en-US" sz="6600" dirty="0"/>
           </a:p>
         </p:txBody>
       </p:sp>
@@ -5715,8 +5840,8 @@
         </p:nvSpPr>
         <p:spPr>
           <a:xfrm>
-            <a:off x="19122898" y="3797350"/>
-            <a:ext cx="2210862" cy="1015663"/>
+            <a:off x="19122898" y="4239805"/>
+            <a:ext cx="2890535" cy="1107996"/>
           </a:xfrm>
           <a:prstGeom prst="rect">
             <a:avLst/>
@@ -5730,9 +5855,14 @@
           <a:lstStyle/>
           <a:p>
             <a:r>
-              <a:rPr lang="en-US" sz="6000" dirty="0"/>
-              <a:t>Model</a:t>
-            </a:r>
+              <a:rPr lang="en-US" sz="6600" dirty="0"/>
+              <a:t>Model </a:t>
+            </a:r>
+            <a:r>
+              <a:rPr lang="en-US" sz="2000" dirty="0"/>
+              <a:t>[4]</a:t>
+            </a:r>
+            <a:endParaRPr lang="en-US" sz="6600" dirty="0"/>
           </a:p>
         </p:txBody>
       </p:sp>
@@ -5750,8 +5880,8 @@
         </p:nvSpPr>
         <p:spPr>
           <a:xfrm>
-            <a:off x="32740002" y="3914703"/>
-            <a:ext cx="3126690" cy="1015663"/>
+            <a:off x="32017399" y="4298829"/>
+            <a:ext cx="4245842" cy="1107996"/>
           </a:xfrm>
           <a:prstGeom prst="rect">
             <a:avLst/>
@@ -5765,8 +5895,12 @@
           <a:lstStyle/>
           <a:p>
             <a:r>
-              <a:rPr lang="en-US" sz="6000" dirty="0"/>
-              <a:t>Examples</a:t>
+              <a:rPr lang="en-US" sz="6600" dirty="0"/>
+              <a:t>Examples </a:t>
+            </a:r>
+            <a:r>
+              <a:rPr lang="en-US" sz="2000" dirty="0"/>
+              <a:t>[3] [5]</a:t>
             </a:r>
           </a:p>
         </p:txBody>
@@ -5785,13 +5919,15 @@
         </p:nvSpPr>
         <p:spPr>
           <a:xfrm>
-            <a:off x="27667732" y="7820131"/>
+            <a:off x="27654091" y="7315580"/>
             <a:ext cx="12218323" cy="4893647"/>
           </a:xfrm>
           <a:prstGeom prst="rect">
             <a:avLst/>
           </a:prstGeom>
-          <a:noFill/>
+          <a:solidFill>
+            <a:schemeClr val="bg1"/>
+          </a:solidFill>
           <a:ln>
             <a:solidFill>
               <a:schemeClr val="tx1"/>
@@ -5827,7 +5963,7 @@
             </a:r>
             <a:r>
               <a:rPr lang="en-US" dirty="0"/>
-              <a:t> is suitable to give information on the short-term behavior or on the long-term behavior of the battery. Finally, the different electrical models, suitable for lithium ion batteries, will be discussed and compared with special attention to the performance of the different models for simulating the dynamic behavior of the batteries.“</a:t>
+              <a:t> is suitable to give information on the short-term behavior or on the long-term behavior of the battery. Finally, the different electrical models, suitable for lithium ion batteries, will be discussed and compared with special attention to the performance of the different models for simulating the dynamic behavior of the batteries.“ [3]</a:t>
             </a:r>
             <a:br>
               <a:rPr lang="en-US" dirty="0"/>
@@ -5850,13 +5986,15 @@
         </p:nvSpPr>
         <p:spPr>
           <a:xfrm>
-            <a:off x="27667732" y="13355153"/>
+            <a:off x="27640450" y="12434666"/>
             <a:ext cx="12231964" cy="6370975"/>
           </a:xfrm>
           <a:prstGeom prst="rect">
             <a:avLst/>
           </a:prstGeom>
-          <a:noFill/>
+          <a:solidFill>
+            <a:schemeClr val="bg1"/>
+          </a:solidFill>
           <a:ln>
             <a:solidFill>
               <a:schemeClr val="tx1"/>
@@ -5902,7 +6040,7 @@
           <a:p>
             <a:r>
               <a:rPr lang="en-US" dirty="0"/>
-              <a:t>1.1.1 Classification of Lithium ion battery models</a:t>
+              <a:t>1.1.1 Classification of Lithium-ion battery models</a:t>
             </a:r>
           </a:p>
           <a:p>
@@ -5933,7 +6071,10 @@
             <a:br>
               <a:rPr lang="en-US" dirty="0"/>
             </a:br>
-            <a:endParaRPr lang="en-US" dirty="0"/>
+            <a:r>
+              <a:rPr lang="en-US" dirty="0"/>
+              <a:t>[3]</a:t>
+            </a:r>
           </a:p>
         </p:txBody>
       </p:sp>
@@ -5951,13 +6092,15 @@
         </p:nvSpPr>
         <p:spPr>
           <a:xfrm>
-            <a:off x="27744930" y="24364812"/>
-            <a:ext cx="12231964" cy="2308324"/>
+            <a:off x="27613168" y="26460338"/>
+            <a:ext cx="12231964" cy="3046988"/>
           </a:xfrm>
           <a:prstGeom prst="rect">
             <a:avLst/>
           </a:prstGeom>
-          <a:noFill/>
+          <a:solidFill>
+            <a:schemeClr val="bg1"/>
+          </a:solidFill>
           <a:ln>
             <a:solidFill>
               <a:schemeClr val="tx1"/>
@@ -5993,13 +6136,48 @@
             </a:r>
             <a:r>
               <a:rPr lang="en-US" dirty="0"/>
-              <a:t> </a:t>
+              <a:t> 2020: </a:t>
             </a:r>
             <a:r>
               <a:rPr lang="en-US" dirty="0" err="1"/>
               <a:t>Folien</a:t>
             </a:r>
-            <a:endParaRPr lang="en-US" dirty="0"/>
+            <a:r>
+              <a:rPr lang="en-US" dirty="0"/>
+              <a:t> </a:t>
+            </a:r>
+            <a:r>
+              <a:rPr lang="en-US" dirty="0" err="1"/>
+              <a:t>zur</a:t>
+            </a:r>
+            <a:r>
+              <a:rPr lang="en-US" dirty="0"/>
+              <a:t> </a:t>
+            </a:r>
+            <a:r>
+              <a:rPr lang="en-US" dirty="0" err="1"/>
+              <a:t>Veranstaltung</a:t>
+            </a:r>
+            <a:r>
+              <a:rPr lang="en-US" dirty="0"/>
+              <a:t> “</a:t>
+            </a:r>
+            <a:r>
+              <a:rPr lang="en-US" dirty="0" err="1"/>
+              <a:t>Wissenschaftliches</a:t>
+            </a:r>
+            <a:r>
+              <a:rPr lang="en-US" dirty="0"/>
+              <a:t> </a:t>
+            </a:r>
+            <a:r>
+              <a:rPr lang="en-US" dirty="0" err="1"/>
+              <a:t>Präsentieren</a:t>
+            </a:r>
+            <a:r>
+              <a:rPr lang="en-US" dirty="0"/>
+              <a:t>”</a:t>
+            </a:r>
           </a:p>
           <a:p>
             <a:r>
@@ -6043,8 +6221,371 @@
               <a:t>Basics of Research Paper Writing and Publishing</a:t>
             </a:r>
           </a:p>
-        </p:txBody>
-      </p:sp>
+          <a:p>
+            <a:r>
+              <a:rPr lang="en-US" dirty="0"/>
+              <a:t>[5] </a:t>
+            </a:r>
+            <a:r>
+              <a:rPr lang="en-US" dirty="0" err="1"/>
+              <a:t>Guangzhong</a:t>
+            </a:r>
+            <a:r>
+              <a:rPr lang="en-US" dirty="0"/>
+              <a:t> Dong 2015: </a:t>
+            </a:r>
+            <a:r>
+              <a:rPr lang="en-US" i="1" dirty="0"/>
+              <a:t>A method for state of energy estimation of lithium-ion batteries based on neural network model</a:t>
+            </a:r>
+          </a:p>
+        </p:txBody>
+      </p:sp>
+      <p:sp>
+        <p:nvSpPr>
+          <p:cNvPr id="47" name="Textfeld 46">
+            <a:extLst>
+              <a:ext uri="{FF2B5EF4-FFF2-40B4-BE49-F238E27FC236}">
+                <a16:creationId xmlns:a16="http://schemas.microsoft.com/office/drawing/2014/main" id="{F142CB84-B30E-EF45-B92C-1B209D6CAF56}"/>
+              </a:ext>
+            </a:extLst>
+          </p:cNvPr>
+          <p:cNvSpPr txBox="1"/>
+          <p:nvPr/>
+        </p:nvSpPr>
+        <p:spPr>
+          <a:xfrm>
+            <a:off x="27640450" y="19031080"/>
+            <a:ext cx="12204682" cy="7109639"/>
+          </a:xfrm>
+          <a:prstGeom prst="rect">
+            <a:avLst/>
+          </a:prstGeom>
+          <a:solidFill>
+            <a:schemeClr val="bg1"/>
+          </a:solidFill>
+          <a:ln>
+            <a:solidFill>
+              <a:schemeClr val="tx1"/>
+            </a:solidFill>
+          </a:ln>
+        </p:spPr>
+        <p:txBody>
+          <a:bodyPr wrap="square" rtlCol="0">
+            <a:spAutoFit/>
+          </a:bodyPr>
+          <a:lstStyle>
+            <a:defPPr>
+              <a:defRPr lang="en-US"/>
+            </a:defPPr>
+            <a:lvl1pPr>
+              <a:defRPr sz="2400"/>
+            </a:lvl1pPr>
+          </a:lstStyle>
+          <a:p>
+            <a:r>
+              <a:rPr lang="en-US" dirty="0"/>
+              <a:t>Discussion:</a:t>
+            </a:r>
+          </a:p>
+          <a:p>
+            <a:r>
+              <a:rPr lang="en-US" dirty="0"/>
+              <a:t>Battery residual energy which provides the essential basis of energy deployment, load balancing, and security of electricity for the complex energy systems, is an important evaluation index for energy optimization and management of power battery systems. For achieving accurate estimation, the main work can be summarized: (1) In considering that the state of charge cannot indicate the energy state of battery. The state of energy, instead of state of  charge, is introduced to describe the energy state of battery. (2) Resulting from the uncertain discharge rate and dynamic temperature of battery cell, it is hard to solve the nonlinear problem between state of energy and terminal voltage, and to accurately quantify the model parameters with the archived measured data. To address this issue, a wavelet neural network based battery state- space model is proposed. The temperature and discharge rate are also taken into account to improve model accuracy. Experimental results show that the proposed wavelet neural network based model provides good prediction performance. (3) A particle filter is employed to develop the estimator for state of energy. The robustness of the proposed method has been verified against different operating temperatures and discharge currents. The re- </a:t>
+            </a:r>
+            <a:r>
+              <a:rPr lang="en-US" dirty="0" err="1"/>
+              <a:t>sults</a:t>
+            </a:r>
+            <a:r>
+              <a:rPr lang="en-US" dirty="0"/>
+              <a:t> on </a:t>
+            </a:r>
+            <a:r>
+              <a:rPr lang="en-US" dirty="0" err="1"/>
+              <a:t>LiFePO</a:t>
+            </a:r>
+            <a:r>
+              <a:rPr lang="en-US" dirty="0"/>
+              <a:t> batteries indicate that the proposed method can 4 improve the accuracy and robustness of the state of energy </a:t>
+            </a:r>
+            <a:r>
+              <a:rPr lang="en-US" dirty="0" err="1"/>
+              <a:t>esti</a:t>
+            </a:r>
+            <a:r>
+              <a:rPr lang="en-US" dirty="0"/>
+              <a:t>- </a:t>
+            </a:r>
+            <a:r>
+              <a:rPr lang="en-US" dirty="0" err="1"/>
+              <a:t>mation</a:t>
+            </a:r>
+            <a:r>
+              <a:rPr lang="en-US" dirty="0"/>
+              <a:t> within an error of ±4%. To reduce the hardware cost, the complexity of the proposed algorithm needs to be further decreased in future studies.  [5]</a:t>
+            </a:r>
+          </a:p>
+          <a:p>
+            <a:endParaRPr lang="en-US" dirty="0"/>
+          </a:p>
+        </p:txBody>
+      </p:sp>
+      <p:pic>
+        <p:nvPicPr>
+          <p:cNvPr id="35" name="Grafik 34">
+            <a:extLst>
+              <a:ext uri="{FF2B5EF4-FFF2-40B4-BE49-F238E27FC236}">
+                <a16:creationId xmlns:a16="http://schemas.microsoft.com/office/drawing/2014/main" id="{7877D1AA-7295-D04D-9DCE-8E5737B5AFEE}"/>
+              </a:ext>
+            </a:extLst>
+          </p:cNvPr>
+          <p:cNvPicPr/>
+          <p:nvPr/>
+        </p:nvPicPr>
+        <p:blipFill>
+          <a:blip r:embed="rId3" cstate="print">
+            <a:extLst>
+              <a:ext uri="{28A0092B-C50C-407E-A947-70E740481C1C}">
+                <a14:useLocalDpi xmlns:a14="http://schemas.microsoft.com/office/drawing/2010/main" val="0"/>
+              </a:ext>
+            </a:extLst>
+          </a:blip>
+          <a:srcRect/>
+          <a:stretch>
+            <a:fillRect/>
+          </a:stretch>
+        </p:blipFill>
+        <p:spPr bwMode="auto">
+          <a:xfrm>
+            <a:off x="162084" y="288126"/>
+            <a:ext cx="4702524" cy="2241931"/>
+          </a:xfrm>
+          <a:prstGeom prst="rect">
+            <a:avLst/>
+          </a:prstGeom>
+          <a:noFill/>
+          <a:ln>
+            <a:noFill/>
+          </a:ln>
+        </p:spPr>
+      </p:pic>
+      <p:pic>
+        <p:nvPicPr>
+          <p:cNvPr id="36" name="Grafik 35" descr="Ein Bild, das Zeichnung enthält.&#10;&#10;Automatisch generierte Beschreibung">
+            <a:extLst>
+              <a:ext uri="{FF2B5EF4-FFF2-40B4-BE49-F238E27FC236}">
+                <a16:creationId xmlns:a16="http://schemas.microsoft.com/office/drawing/2014/main" id="{18406EBB-FAA1-854F-B3EF-35D34C939970}"/>
+              </a:ext>
+            </a:extLst>
+          </p:cNvPr>
+          <p:cNvPicPr>
+            <a:picLocks noChangeAspect="1"/>
+          </p:cNvPicPr>
+          <p:nvPr/>
+        </p:nvPicPr>
+        <p:blipFill>
+          <a:blip r:embed="rId4"/>
+          <a:stretch>
+            <a:fillRect/>
+          </a:stretch>
+        </p:blipFill>
+        <p:spPr>
+          <a:xfrm>
+            <a:off x="5574671" y="916028"/>
+            <a:ext cx="4391623" cy="1200329"/>
+          </a:xfrm>
+          <a:prstGeom prst="rect">
+            <a:avLst/>
+          </a:prstGeom>
+        </p:spPr>
+      </p:pic>
+      <p:sp>
+        <p:nvSpPr>
+          <p:cNvPr id="2" name="Textfeld 1">
+            <a:extLst>
+              <a:ext uri="{FF2B5EF4-FFF2-40B4-BE49-F238E27FC236}">
+                <a16:creationId xmlns:a16="http://schemas.microsoft.com/office/drawing/2014/main" id="{C5549969-8D42-4D0C-A895-416B3344D2B6}"/>
+              </a:ext>
+            </a:extLst>
+          </p:cNvPr>
+          <p:cNvSpPr txBox="1"/>
+          <p:nvPr/>
+        </p:nvSpPr>
+        <p:spPr>
+          <a:xfrm>
+            <a:off x="13930073" y="2377429"/>
+            <a:ext cx="5726568" cy="1384995"/>
+          </a:xfrm>
+          <a:prstGeom prst="rect">
+            <a:avLst/>
+          </a:prstGeom>
+          <a:noFill/>
+        </p:spPr>
+        <p:txBody>
+          <a:bodyPr wrap="none" rtlCol="0">
+            <a:spAutoFit/>
+          </a:bodyPr>
+          <a:lstStyle/>
+          <a:p>
+            <a:pPr algn="ctr"/>
+            <a:r>
+              <a:rPr lang="en-US" sz="2800" b="1" dirty="0"/>
+              <a:t>Eren Cem Durak</a:t>
+            </a:r>
+          </a:p>
+          <a:p>
+            <a:pPr algn="ctr"/>
+            <a:r>
+              <a:rPr lang="en-US" sz="2800" b="1" dirty="0"/>
+              <a:t>Munich University of Applied Science</a:t>
+            </a:r>
+          </a:p>
+          <a:p>
+            <a:pPr algn="ctr"/>
+            <a:r>
+              <a:rPr lang="en-US" sz="2800" b="1" dirty="0"/>
+              <a:t>eren.durak@hm.edu</a:t>
+            </a:r>
+          </a:p>
+        </p:txBody>
+      </p:sp>
+      <p:sp>
+        <p:nvSpPr>
+          <p:cNvPr id="3" name="Textfeld 2">
+            <a:extLst>
+              <a:ext uri="{FF2B5EF4-FFF2-40B4-BE49-F238E27FC236}">
+                <a16:creationId xmlns:a16="http://schemas.microsoft.com/office/drawing/2014/main" id="{BCFA73C4-BE58-47D8-804F-E3EE52D87F3E}"/>
+              </a:ext>
+            </a:extLst>
+          </p:cNvPr>
+          <p:cNvSpPr txBox="1"/>
+          <p:nvPr/>
+        </p:nvSpPr>
+        <p:spPr>
+          <a:xfrm>
+            <a:off x="21294973" y="2362662"/>
+            <a:ext cx="5726568" cy="1384995"/>
+          </a:xfrm>
+          <a:prstGeom prst="rect">
+            <a:avLst/>
+          </a:prstGeom>
+          <a:noFill/>
+        </p:spPr>
+        <p:txBody>
+          <a:bodyPr wrap="none" rtlCol="0">
+            <a:spAutoFit/>
+          </a:bodyPr>
+          <a:lstStyle/>
+          <a:p>
+            <a:pPr algn="ctr"/>
+            <a:r>
+              <a:rPr lang="en-US" sz="2800" b="1" dirty="0"/>
+              <a:t>Jonas Goltz</a:t>
+            </a:r>
+          </a:p>
+          <a:p>
+            <a:pPr algn="ctr"/>
+            <a:r>
+              <a:rPr lang="en-US" sz="2800" b="1" dirty="0"/>
+              <a:t>Munich University of Applied Science</a:t>
+            </a:r>
+          </a:p>
+          <a:p>
+            <a:pPr algn="ctr"/>
+            <a:r>
+              <a:rPr lang="en-US" sz="2800" b="1" dirty="0"/>
+              <a:t>goltz@hm.edu </a:t>
+            </a:r>
+          </a:p>
+        </p:txBody>
+      </p:sp>
+      <p:cxnSp>
+        <p:nvCxnSpPr>
+          <p:cNvPr id="12" name="Gerader Verbinder 11">
+            <a:extLst>
+              <a:ext uri="{FF2B5EF4-FFF2-40B4-BE49-F238E27FC236}">
+                <a16:creationId xmlns:a16="http://schemas.microsoft.com/office/drawing/2014/main" id="{A2CF2582-B646-4E86-A73F-1F078B4D71F1}"/>
+              </a:ext>
+            </a:extLst>
+          </p:cNvPr>
+          <p:cNvCxnSpPr>
+            <a:cxnSpLocks/>
+          </p:cNvCxnSpPr>
+          <p:nvPr/>
+        </p:nvCxnSpPr>
+        <p:spPr>
+          <a:xfrm>
+            <a:off x="18599150" y="8749647"/>
+            <a:ext cx="5015" cy="999128"/>
+          </a:xfrm>
+          <a:prstGeom prst="line">
+            <a:avLst/>
+          </a:prstGeom>
+          <a:ln w="12700">
+            <a:solidFill>
+              <a:schemeClr val="tx1"/>
+            </a:solidFill>
+          </a:ln>
+        </p:spPr>
+        <p:style>
+          <a:lnRef idx="1">
+            <a:schemeClr val="accent1"/>
+          </a:lnRef>
+          <a:fillRef idx="0">
+            <a:schemeClr val="accent1"/>
+          </a:fillRef>
+          <a:effectRef idx="0">
+            <a:schemeClr val="accent1"/>
+          </a:effectRef>
+          <a:fontRef idx="minor">
+            <a:schemeClr val="tx1"/>
+          </a:fontRef>
+        </p:style>
+      </p:cxnSp>
+      <p:cxnSp>
+        <p:nvCxnSpPr>
+          <p:cNvPr id="39" name="Gerader Verbinder 38">
+            <a:extLst>
+              <a:ext uri="{FF2B5EF4-FFF2-40B4-BE49-F238E27FC236}">
+                <a16:creationId xmlns:a16="http://schemas.microsoft.com/office/drawing/2014/main" id="{BAF94CEB-A864-4480-8764-2EA0081DD6CD}"/>
+              </a:ext>
+            </a:extLst>
+          </p:cNvPr>
+          <p:cNvCxnSpPr>
+            <a:cxnSpLocks/>
+          </p:cNvCxnSpPr>
+          <p:nvPr/>
+        </p:nvCxnSpPr>
+        <p:spPr>
+          <a:xfrm>
+            <a:off x="21917046" y="8749647"/>
+            <a:ext cx="0" cy="999128"/>
+          </a:xfrm>
+          <a:prstGeom prst="line">
+            <a:avLst/>
+          </a:prstGeom>
+          <a:ln w="12700">
+            <a:solidFill>
+              <a:schemeClr val="tx1"/>
+            </a:solidFill>
+          </a:ln>
+        </p:spPr>
+        <p:style>
+          <a:lnRef idx="1">
+            <a:schemeClr val="accent1"/>
+          </a:lnRef>
+          <a:fillRef idx="0">
+            <a:schemeClr val="accent1"/>
+          </a:fillRef>
+          <a:effectRef idx="0">
+            <a:schemeClr val="accent1"/>
+          </a:effectRef>
+          <a:fontRef idx="minor">
+            <a:schemeClr val="tx1"/>
+          </a:fontRef>
+        </p:style>
+      </p:cxnSp>
     </p:spTree>
     <p:extLst>
       <p:ext uri="{BB962C8B-B14F-4D97-AF65-F5344CB8AC3E}">
